--- a/Sharpest++/Chapter 8 - Expression.pptx
+++ b/Sharpest++/Chapter 8 - Expression.pptx
@@ -257,7 +257,7 @@
           <a:p>
             <a:fld id="{14064E1B-EADF-46E0-B2CF-CBBF37D915B3}" type="datetimeFigureOut">
               <a:rPr lang="ko-KR" altLang="en-US" smtClean="0"/>
-              <a:t>2019-02-24</a:t>
+              <a:t>2019-04-09</a:t>
             </a:fld>
             <a:endParaRPr lang="ko-KR" altLang="en-US"/>
           </a:p>
@@ -7875,7 +7875,7 @@
           <a:p>
             <a:fld id="{9FD3C816-E8FD-4807-9C0F-99A78AC38099}" type="datetimeFigureOut">
               <a:rPr lang="ko-KR" altLang="en-US" smtClean="0"/>
-              <a:t>2019-02-24</a:t>
+              <a:t>2019-04-09</a:t>
             </a:fld>
             <a:endParaRPr lang="ko-KR" altLang="en-US"/>
           </a:p>
@@ -8043,7 +8043,7 @@
           <a:p>
             <a:fld id="{9FD3C816-E8FD-4807-9C0F-99A78AC38099}" type="datetimeFigureOut">
               <a:rPr lang="ko-KR" altLang="en-US" smtClean="0"/>
-              <a:t>2019-02-24</a:t>
+              <a:t>2019-04-09</a:t>
             </a:fld>
             <a:endParaRPr lang="ko-KR" altLang="en-US"/>
           </a:p>
@@ -8221,7 +8221,7 @@
           <a:p>
             <a:fld id="{9FD3C816-E8FD-4807-9C0F-99A78AC38099}" type="datetimeFigureOut">
               <a:rPr lang="ko-KR" altLang="en-US" smtClean="0"/>
-              <a:t>2019-02-24</a:t>
+              <a:t>2019-04-09</a:t>
             </a:fld>
             <a:endParaRPr lang="ko-KR" altLang="en-US"/>
           </a:p>
@@ -8389,7 +8389,7 @@
           <a:p>
             <a:fld id="{9FD3C816-E8FD-4807-9C0F-99A78AC38099}" type="datetimeFigureOut">
               <a:rPr lang="ko-KR" altLang="en-US" smtClean="0"/>
-              <a:t>2019-02-24</a:t>
+              <a:t>2019-04-09</a:t>
             </a:fld>
             <a:endParaRPr lang="ko-KR" altLang="en-US"/>
           </a:p>
@@ -8634,7 +8634,7 @@
           <a:p>
             <a:fld id="{9FD3C816-E8FD-4807-9C0F-99A78AC38099}" type="datetimeFigureOut">
               <a:rPr lang="ko-KR" altLang="en-US" smtClean="0"/>
-              <a:t>2019-02-24</a:t>
+              <a:t>2019-04-09</a:t>
             </a:fld>
             <a:endParaRPr lang="ko-KR" altLang="en-US"/>
           </a:p>
@@ -8919,7 +8919,7 @@
           <a:p>
             <a:fld id="{9FD3C816-E8FD-4807-9C0F-99A78AC38099}" type="datetimeFigureOut">
               <a:rPr lang="ko-KR" altLang="en-US" smtClean="0"/>
-              <a:t>2019-02-24</a:t>
+              <a:t>2019-04-09</a:t>
             </a:fld>
             <a:endParaRPr lang="ko-KR" altLang="en-US"/>
           </a:p>
@@ -9343,7 +9343,7 @@
           <a:p>
             <a:fld id="{9FD3C816-E8FD-4807-9C0F-99A78AC38099}" type="datetimeFigureOut">
               <a:rPr lang="ko-KR" altLang="en-US" smtClean="0"/>
-              <a:t>2019-02-24</a:t>
+              <a:t>2019-04-09</a:t>
             </a:fld>
             <a:endParaRPr lang="ko-KR" altLang="en-US"/>
           </a:p>
@@ -9460,7 +9460,7 @@
           <a:p>
             <a:fld id="{9FD3C816-E8FD-4807-9C0F-99A78AC38099}" type="datetimeFigureOut">
               <a:rPr lang="ko-KR" altLang="en-US" smtClean="0"/>
-              <a:t>2019-02-24</a:t>
+              <a:t>2019-04-09</a:t>
             </a:fld>
             <a:endParaRPr lang="ko-KR" altLang="en-US"/>
           </a:p>
@@ -9555,7 +9555,7 @@
           <a:p>
             <a:fld id="{9FD3C816-E8FD-4807-9C0F-99A78AC38099}" type="datetimeFigureOut">
               <a:rPr lang="ko-KR" altLang="en-US" smtClean="0"/>
-              <a:t>2019-02-24</a:t>
+              <a:t>2019-04-09</a:t>
             </a:fld>
             <a:endParaRPr lang="ko-KR" altLang="en-US"/>
           </a:p>
@@ -9830,7 +9830,7 @@
           <a:p>
             <a:fld id="{9FD3C816-E8FD-4807-9C0F-99A78AC38099}" type="datetimeFigureOut">
               <a:rPr lang="ko-KR" altLang="en-US" smtClean="0"/>
-              <a:t>2019-02-24</a:t>
+              <a:t>2019-04-09</a:t>
             </a:fld>
             <a:endParaRPr lang="ko-KR" altLang="en-US"/>
           </a:p>
@@ -10082,7 +10082,7 @@
           <a:p>
             <a:fld id="{9FD3C816-E8FD-4807-9C0F-99A78AC38099}" type="datetimeFigureOut">
               <a:rPr lang="ko-KR" altLang="en-US" smtClean="0"/>
-              <a:t>2019-02-24</a:t>
+              <a:t>2019-04-09</a:t>
             </a:fld>
             <a:endParaRPr lang="ko-KR" altLang="en-US"/>
           </a:p>
@@ -10303,7 +10303,7 @@
           <a:p>
             <a:fld id="{9FD3C816-E8FD-4807-9C0F-99A78AC38099}" type="datetimeFigureOut">
               <a:rPr lang="ko-KR" altLang="en-US" smtClean="0"/>
-              <a:t>2019-02-24</a:t>
+              <a:t>2019-04-09</a:t>
             </a:fld>
             <a:endParaRPr lang="ko-KR" altLang="en-US"/>
           </a:p>
